--- a/Slides/100 Years of Air Crash.pptx
+++ b/Slides/100 Years of Air Crash.pptx
@@ -131,7 +131,7 @@
   </p:defaultTextStyle>
   <p:extLst>
     <p:ext uri="{EFAFB233-063F-42B5-8137-9DF3F51BA10A}">
-      <p15:sldGuideLst xmlns:p15="http://schemas.microsoft.com/office/powerpoint/2012/main" xmlns="">
+      <p15:sldGuideLst xmlns="" xmlns:p15="http://schemas.microsoft.com/office/powerpoint/2012/main">
         <p15:guide id="1" orient="horz" pos="2160">
           <p15:clr>
             <a:srgbClr val="A4A3A4"/>
@@ -145,7 +145,7 @@
       </p15:sldGuideLst>
     </p:ext>
     <p:ext uri="{2D200454-40CA-4A62-9FC3-DE9A4176ACB9}">
-      <p15:notesGuideLst xmlns:p15="http://schemas.microsoft.com/office/powerpoint/2012/main" xmlns="">
+      <p15:notesGuideLst xmlns="" xmlns:p15="http://schemas.microsoft.com/office/powerpoint/2012/main">
         <p15:guide id="1" orient="horz" pos="2880">
           <p15:clr>
             <a:srgbClr val="A4A3A4"/>
@@ -3405,7 +3405,7 @@
           <a:p>
             <a:fld id="{58851F9E-B67C-471A-98E7-ABF7DE55A529}" type="datetimeFigureOut">
               <a:rPr lang="en-US" smtClean="0"/>
-              <a:t>2/9/2017</a:t>
+              <a:t>2/9/17</a:t>
             </a:fld>
             <a:endParaRPr lang="en-US"/>
           </a:p>
@@ -3804,7 +3804,7 @@
           <a:p>
             <a:fld id="{49B407B9-811A-4190-9140-33499A589A8B}" type="datetimeFigureOut">
               <a:rPr lang="en-US" smtClean="0"/>
-              <a:t>2/9/2017</a:t>
+              <a:t>2/9/17</a:t>
             </a:fld>
             <a:endParaRPr lang="en-US"/>
           </a:p>
@@ -3865,7 +3865,7 @@
   <p:timing>
     <p:tnLst>
       <p:par>
-        <p:cTn id="1" dur="indefinite" restart="never" nodeType="tmRoot"/>
+        <p:cTn xmlns:p14="http://schemas.microsoft.com/office/powerpoint/2010/main" id="1" dur="indefinite" restart="never" nodeType="tmRoot"/>
       </p:par>
     </p:tnLst>
   </p:timing>
@@ -3981,7 +3981,7 @@
           <a:p>
             <a:fld id="{49B407B9-811A-4190-9140-33499A589A8B}" type="datetimeFigureOut">
               <a:rPr lang="en-US" smtClean="0"/>
-              <a:t>2/9/2017</a:t>
+              <a:t>2/9/17</a:t>
             </a:fld>
             <a:endParaRPr lang="en-US"/>
           </a:p>
@@ -4161,7 +4161,7 @@
           <a:p>
             <a:fld id="{49B407B9-811A-4190-9140-33499A589A8B}" type="datetimeFigureOut">
               <a:rPr lang="en-US" smtClean="0"/>
-              <a:t>2/9/2017</a:t>
+              <a:t>2/9/17</a:t>
             </a:fld>
             <a:endParaRPr lang="en-US"/>
           </a:p>
@@ -6331,7 +6331,7 @@
           <a:p>
             <a:fld id="{49B407B9-811A-4190-9140-33499A589A8B}" type="datetimeFigureOut">
               <a:rPr lang="en-US" smtClean="0"/>
-              <a:t>2/9/2017</a:t>
+              <a:t>2/9/17</a:t>
             </a:fld>
             <a:endParaRPr lang="en-US"/>
           </a:p>
@@ -6443,14 +6443,14 @@
             <a:noFill/>
           </a:ln>
           <a:extLst>
-            <a:ext uri="{909E8E84-426E-40DD-AFC4-6F175D3DCCD1}">
+            <a:ext uri="{909E8E84-426E-40dd-AFC4-6F175D3DCCD1}">
               <a14:hiddenFill xmlns:a14="http://schemas.microsoft.com/office/drawing/2010/main">
                 <a:solidFill>
                   <a:srgbClr val="FFFFFF"/>
                 </a:solidFill>
               </a14:hiddenFill>
             </a:ext>
-            <a:ext uri="{91240B29-F687-4F45-9708-019B960494DF}">
+            <a:ext uri="{91240B29-F687-4f45-9708-019B960494DF}">
               <a14:hiddenLine xmlns:a14="http://schemas.microsoft.com/office/drawing/2010/main" w="9525">
                 <a:solidFill>
                   <a:srgbClr val="000000"/>
@@ -9010,7 +9010,7 @@
           <a:p>
             <a:fld id="{49B407B9-811A-4190-9140-33499A589A8B}" type="datetimeFigureOut">
               <a:rPr lang="en-US" smtClean="0"/>
-              <a:t>2/9/2017</a:t>
+              <a:t>2/9/17</a:t>
             </a:fld>
             <a:endParaRPr lang="en-US"/>
           </a:p>
@@ -9272,7 +9272,7 @@
           <a:p>
             <a:fld id="{49B407B9-811A-4190-9140-33499A589A8B}" type="datetimeFigureOut">
               <a:rPr lang="en-US" smtClean="0"/>
-              <a:t>2/9/2017</a:t>
+              <a:t>2/9/17</a:t>
             </a:fld>
             <a:endParaRPr lang="en-US"/>
           </a:p>
@@ -9639,7 +9639,7 @@
           <a:p>
             <a:fld id="{49B407B9-811A-4190-9140-33499A589A8B}" type="datetimeFigureOut">
               <a:rPr lang="en-US" smtClean="0"/>
-              <a:t>2/9/2017</a:t>
+              <a:t>2/9/17</a:t>
             </a:fld>
             <a:endParaRPr lang="en-US"/>
           </a:p>
@@ -9757,7 +9757,7 @@
           <a:p>
             <a:fld id="{49B407B9-811A-4190-9140-33499A589A8B}" type="datetimeFigureOut">
               <a:rPr lang="en-US" smtClean="0"/>
-              <a:t>2/9/2017</a:t>
+              <a:t>2/9/17</a:t>
             </a:fld>
             <a:endParaRPr lang="en-US"/>
           </a:p>
@@ -9852,7 +9852,7 @@
           <a:p>
             <a:fld id="{49B407B9-811A-4190-9140-33499A589A8B}" type="datetimeFigureOut">
               <a:rPr lang="en-US" smtClean="0"/>
-              <a:t>2/9/2017</a:t>
+              <a:t>2/9/17</a:t>
             </a:fld>
             <a:endParaRPr lang="en-US"/>
           </a:p>
@@ -10129,7 +10129,7 @@
           <a:p>
             <a:fld id="{49B407B9-811A-4190-9140-33499A589A8B}" type="datetimeFigureOut">
               <a:rPr lang="en-US" smtClean="0"/>
-              <a:t>2/9/2017</a:t>
+              <a:t>2/9/17</a:t>
             </a:fld>
             <a:endParaRPr lang="en-US"/>
           </a:p>
@@ -10382,7 +10382,7 @@
           <a:p>
             <a:fld id="{49B407B9-811A-4190-9140-33499A589A8B}" type="datetimeFigureOut">
               <a:rPr lang="en-US" smtClean="0"/>
-              <a:t>2/9/2017</a:t>
+              <a:t>2/9/17</a:t>
             </a:fld>
             <a:endParaRPr lang="en-US"/>
           </a:p>
@@ -10595,7 +10595,7 @@
           <a:p>
             <a:fld id="{49B407B9-811A-4190-9140-33499A589A8B}" type="datetimeFigureOut">
               <a:rPr lang="en-US" smtClean="0"/>
-              <a:t>2/9/2017</a:t>
+              <a:t>2/9/17</a:t>
             </a:fld>
             <a:endParaRPr lang="en-US"/>
           </a:p>
@@ -11031,14 +11031,14 @@
             <a:noFill/>
           </a:ln>
           <a:extLst>
-            <a:ext uri="{909E8E84-426E-40DD-AFC4-6F175D3DCCD1}">
+            <a:ext uri="{909E8E84-426E-40dd-AFC4-6F175D3DCCD1}">
               <a14:hiddenFill xmlns:a14="http://schemas.microsoft.com/office/drawing/2010/main">
                 <a:solidFill>
                   <a:srgbClr val="FFFFFF"/>
                 </a:solidFill>
               </a14:hiddenFill>
             </a:ext>
-            <a:ext uri="{91240B29-F687-4F45-9708-019B960494DF}">
+            <a:ext uri="{91240B29-F687-4f45-9708-019B960494DF}">
               <a14:hiddenLine xmlns:a14="http://schemas.microsoft.com/office/drawing/2010/main" w="9525">
                 <a:solidFill>
                   <a:srgbClr val="000000"/>
@@ -11089,14 +11089,14 @@
             <a:noFill/>
           </a:ln>
           <a:extLst>
-            <a:ext uri="{909E8E84-426E-40DD-AFC4-6F175D3DCCD1}">
+            <a:ext uri="{909E8E84-426E-40dd-AFC4-6F175D3DCCD1}">
               <a14:hiddenFill xmlns:a14="http://schemas.microsoft.com/office/drawing/2010/main">
                 <a:solidFill>
                   <a:srgbClr val="FFFFFF"/>
                 </a:solidFill>
               </a14:hiddenFill>
             </a:ext>
-            <a:ext uri="{91240B29-F687-4F45-9708-019B960494DF}">
+            <a:ext uri="{91240B29-F687-4f45-9708-019B960494DF}">
               <a14:hiddenLine xmlns:a14="http://schemas.microsoft.com/office/drawing/2010/main" w="9525">
                 <a:solidFill>
                   <a:srgbClr val="000000"/>
@@ -11317,14 +11317,14 @@
             <a:noFill/>
           </a:ln>
           <a:extLst>
-            <a:ext uri="{909E8E84-426E-40DD-AFC4-6F175D3DCCD1}">
+            <a:ext uri="{909E8E84-426E-40dd-AFC4-6F175D3DCCD1}">
               <a14:hiddenFill xmlns:a14="http://schemas.microsoft.com/office/drawing/2010/main">
                 <a:solidFill>
                   <a:srgbClr val="FFFFFF"/>
                 </a:solidFill>
               </a14:hiddenFill>
             </a:ext>
-            <a:ext uri="{91240B29-F687-4F45-9708-019B960494DF}">
+            <a:ext uri="{91240B29-F687-4f45-9708-019B960494DF}">
               <a14:hiddenLine xmlns:a14="http://schemas.microsoft.com/office/drawing/2010/main" w="9525">
                 <a:solidFill>
                   <a:srgbClr val="000000"/>
@@ -11965,14 +11965,14 @@
           </a:ln>
           <a:effectLst/>
           <a:extLst>
-            <a:ext uri="{909E8E84-426E-40DD-AFC4-6F175D3DCCD1}">
+            <a:ext uri="{909E8E84-426E-40dd-AFC4-6F175D3DCCD1}">
               <a14:hiddenFill xmlns:a14="http://schemas.microsoft.com/office/drawing/2010/main">
                 <a:solidFill>
                   <a:schemeClr val="accent1"/>
                 </a:solidFill>
               </a14:hiddenFill>
             </a:ext>
-            <a:ext uri="{91240B29-F687-4F45-9708-019B960494DF}">
+            <a:ext uri="{91240B29-F687-4f45-9708-019B960494DF}">
               <a14:hiddenLine xmlns:a14="http://schemas.microsoft.com/office/drawing/2010/main" w="9525">
                 <a:solidFill>
                   <a:schemeClr val="tx1"/>
@@ -11982,7 +11982,7 @@
                 <a:tailEnd/>
               </a14:hiddenLine>
             </a:ext>
-            <a:ext uri="{AF507438-7753-43E0-B8FC-AC1667EBCBE1}">
+            <a:ext uri="{AF507438-7753-43e0-B8FC-AC1667EBCBE1}">
               <a14:hiddenEffects xmlns:a14="http://schemas.microsoft.com/office/drawing/2010/main">
                 <a:effectLst>
                   <a:outerShdw dist="35921" dir="2700000" algn="ctr" rotWithShape="0">
@@ -12017,19 +12017,6 @@
           <a:lstStyle/>
           <a:p>
             <a:r>
-              <a:rPr lang="en-US" dirty="0">
-                <a:solidFill>
-                  <a:schemeClr val="accent6">
-                    <a:lumMod val="40000"/>
-                    <a:lumOff val="60000"/>
-                  </a:schemeClr>
-                </a:solidFill>
-                <a:latin typeface="Arial" panose="020B0604020202020204" pitchFamily="34" charset="0"/>
-                <a:cs typeface="Arial" panose="020B0604020202020204" pitchFamily="34" charset="0"/>
-              </a:rPr>
-              <a:t>Library and Information Science for Transportation </a:t>
-            </a:r>
-            <a:r>
               <a:rPr lang="en-US" dirty="0" smtClean="0">
                 <a:solidFill>
                   <a:schemeClr val="accent6">
@@ -12040,8 +12027,18 @@
                 <a:latin typeface="Arial" panose="020B0604020202020204" pitchFamily="34" charset="0"/>
                 <a:cs typeface="Arial" panose="020B0604020202020204" pitchFamily="34" charset="0"/>
               </a:rPr>
-              <a:t>Committee | ABG40 Meeting </a:t>
-            </a:r>
+              <a:t>TAMU ITE Meeting| R Workshop: Day 2 </a:t>
+            </a:r>
+            <a:endParaRPr lang="en-US" dirty="0" smtClean="0">
+              <a:solidFill>
+                <a:schemeClr val="accent6">
+                  <a:lumMod val="40000"/>
+                  <a:lumOff val="60000"/>
+                </a:schemeClr>
+              </a:solidFill>
+              <a:latin typeface="Arial" panose="020B0604020202020204" pitchFamily="34" charset="0"/>
+              <a:cs typeface="Arial" panose="020B0604020202020204" pitchFamily="34" charset="0"/>
+            </a:endParaRPr>
           </a:p>
           <a:p>
             <a:r>
@@ -12055,7 +12052,33 @@
                 <a:latin typeface="Arial" panose="020B0604020202020204" pitchFamily="34" charset="0"/>
                 <a:cs typeface="Arial" panose="020B0604020202020204" pitchFamily="34" charset="0"/>
               </a:rPr>
-              <a:t>January 11, 2017</a:t>
+              <a:t>February 9</a:t>
+            </a:r>
+            <a:r>
+              <a:rPr lang="en-US" dirty="0" smtClean="0">
+                <a:solidFill>
+                  <a:schemeClr val="accent6">
+                    <a:lumMod val="40000"/>
+                    <a:lumOff val="60000"/>
+                  </a:schemeClr>
+                </a:solidFill>
+                <a:latin typeface="Arial" panose="020B0604020202020204" pitchFamily="34" charset="0"/>
+                <a:cs typeface="Arial" panose="020B0604020202020204" pitchFamily="34" charset="0"/>
+              </a:rPr>
+              <a:t>, </a:t>
+            </a:r>
+            <a:r>
+              <a:rPr lang="en-US" dirty="0" smtClean="0">
+                <a:solidFill>
+                  <a:schemeClr val="accent6">
+                    <a:lumMod val="40000"/>
+                    <a:lumOff val="60000"/>
+                  </a:schemeClr>
+                </a:solidFill>
+                <a:latin typeface="Arial" panose="020B0604020202020204" pitchFamily="34" charset="0"/>
+                <a:cs typeface="Arial" panose="020B0604020202020204" pitchFamily="34" charset="0"/>
+              </a:rPr>
+              <a:t>2017</a:t>
             </a:r>
             <a:endParaRPr lang="en-US" dirty="0">
               <a:solidFill>
@@ -12083,7 +12106,7 @@
   <p:timing>
     <p:tnLst>
       <p:par>
-        <p:cTn id="1" dur="indefinite" restart="never" nodeType="tmRoot"/>
+        <p:cTn xmlns:p14="http://schemas.microsoft.com/office/powerpoint/2010/main" id="1" dur="indefinite" restart="never" nodeType="tmRoot"/>
       </p:par>
     </p:tnLst>
   </p:timing>
@@ -12138,7 +12161,7 @@
           </a:prstGeom>
           <a:noFill/>
           <a:extLst>
-            <a:ext uri="{909E8E84-426E-40DD-AFC4-6F175D3DCCD1}">
+            <a:ext uri="{909E8E84-426E-40dd-AFC4-6F175D3DCCD1}">
               <a14:hiddenFill xmlns:a14="http://schemas.microsoft.com/office/drawing/2010/main">
                 <a:solidFill>
                   <a:srgbClr val="FFFFFF"/>
@@ -12197,7 +12220,7 @@
   <p:timing>
     <p:tnLst>
       <p:par>
-        <p:cTn id="1" dur="indefinite" restart="never" nodeType="tmRoot"/>
+        <p:cTn xmlns:p14="http://schemas.microsoft.com/office/powerpoint/2010/main" id="1" dur="indefinite" restart="never" nodeType="tmRoot"/>
       </p:par>
     </p:tnLst>
   </p:timing>
@@ -13045,7 +13068,7 @@
   <p:timing>
     <p:tnLst>
       <p:par>
-        <p:cTn id="1" dur="indefinite" restart="never" nodeType="tmRoot"/>
+        <p:cTn xmlns:p14="http://schemas.microsoft.com/office/powerpoint/2010/main" id="1" dur="indefinite" restart="never" nodeType="tmRoot"/>
       </p:par>
     </p:tnLst>
   </p:timing>
@@ -13100,7 +13123,7 @@
           </a:prstGeom>
           <a:noFill/>
           <a:extLst>
-            <a:ext uri="{909E8E84-426E-40DD-AFC4-6F175D3DCCD1}">
+            <a:ext uri="{909E8E84-426E-40dd-AFC4-6F175D3DCCD1}">
               <a14:hiddenFill xmlns:a14="http://schemas.microsoft.com/office/drawing/2010/main">
                 <a:solidFill>
                   <a:srgbClr val="FFFFFF"/>
@@ -13425,7 +13448,7 @@
   <p:timing>
     <p:tnLst>
       <p:par>
-        <p:cTn id="1" dur="indefinite" restart="never" nodeType="tmRoot"/>
+        <p:cTn xmlns:p14="http://schemas.microsoft.com/office/powerpoint/2010/main" id="1" dur="indefinite" restart="never" nodeType="tmRoot"/>
       </p:par>
     </p:tnLst>
   </p:timing>
@@ -13526,7 +13549,7 @@
           </a:prstGeom>
           <a:noFill/>
           <a:extLst>
-            <a:ext uri="{909E8E84-426E-40DD-AFC4-6F175D3DCCD1}">
+            <a:ext uri="{909E8E84-426E-40dd-AFC4-6F175D3DCCD1}">
               <a14:hiddenFill xmlns:a14="http://schemas.microsoft.com/office/drawing/2010/main">
                 <a:solidFill>
                   <a:srgbClr val="FFFFFF"/>
@@ -13746,7 +13769,7 @@
   <p:timing>
     <p:tnLst>
       <p:par>
-        <p:cTn id="1" dur="indefinite" restart="never" nodeType="tmRoot"/>
+        <p:cTn xmlns:p14="http://schemas.microsoft.com/office/powerpoint/2010/main" id="1" dur="indefinite" restart="never" nodeType="tmRoot"/>
       </p:par>
     </p:tnLst>
   </p:timing>
@@ -15729,7 +15752,7 @@
   <p:timing>
     <p:tnLst>
       <p:par>
-        <p:cTn id="1" dur="indefinite" restart="never" nodeType="tmRoot"/>
+        <p:cTn xmlns:p14="http://schemas.microsoft.com/office/powerpoint/2010/main" id="1" dur="indefinite" restart="never" nodeType="tmRoot"/>
       </p:par>
     </p:tnLst>
   </p:timing>
@@ -16051,7 +16074,7 @@
   <p:timing>
     <p:tnLst>
       <p:par>
-        <p:cTn id="1" dur="indefinite" restart="never" nodeType="tmRoot"/>
+        <p:cTn xmlns:p14="http://schemas.microsoft.com/office/powerpoint/2010/main" id="1" dur="indefinite" restart="never" nodeType="tmRoot"/>
       </p:par>
     </p:tnLst>
   </p:timing>
@@ -16201,7 +16224,7 @@
   <p:timing>
     <p:tnLst>
       <p:par>
-        <p:cTn id="1" dur="indefinite" restart="never" nodeType="tmRoot"/>
+        <p:cTn xmlns:p14="http://schemas.microsoft.com/office/powerpoint/2010/main" id="1" dur="indefinite" restart="never" nodeType="tmRoot"/>
       </p:par>
     </p:tnLst>
   </p:timing>
@@ -16336,7 +16359,7 @@
           </a:prstGeom>
           <a:noFill/>
           <a:extLst>
-            <a:ext uri="{909E8E84-426E-40DD-AFC4-6F175D3DCCD1}">
+            <a:ext uri="{909E8E84-426E-40dd-AFC4-6F175D3DCCD1}">
               <a14:hiddenFill xmlns:a14="http://schemas.microsoft.com/office/drawing/2010/main">
                 <a:solidFill>
                   <a:srgbClr val="FFFFFF"/>
@@ -16359,7 +16382,7 @@
   <p:timing>
     <p:tnLst>
       <p:par>
-        <p:cTn id="1" dur="indefinite" restart="never" nodeType="tmRoot"/>
+        <p:cTn xmlns:p14="http://schemas.microsoft.com/office/powerpoint/2010/main" id="1" dur="indefinite" restart="never" nodeType="tmRoot"/>
       </p:par>
     </p:tnLst>
   </p:timing>
@@ -16645,7 +16668,7 @@
   <p:timing>
     <p:tnLst>
       <p:par>
-        <p:cTn id="1" dur="indefinite" restart="never" nodeType="tmRoot"/>
+        <p:cTn xmlns:p14="http://schemas.microsoft.com/office/powerpoint/2010/main" id="1" dur="indefinite" restart="never" nodeType="tmRoot"/>
       </p:par>
     </p:tnLst>
   </p:timing>
@@ -17170,7 +17193,7 @@
   <p:timing>
     <p:tnLst>
       <p:par>
-        <p:cTn id="1" dur="indefinite" restart="never" nodeType="tmRoot"/>
+        <p:cTn xmlns:p14="http://schemas.microsoft.com/office/powerpoint/2010/main" id="1" dur="indefinite" restart="never" nodeType="tmRoot"/>
       </p:par>
     </p:tnLst>
   </p:timing>
@@ -17350,7 +17373,7 @@
   <p:timing>
     <p:tnLst>
       <p:par>
-        <p:cTn id="1" dur="indefinite" restart="never" nodeType="tmRoot"/>
+        <p:cTn xmlns:p14="http://schemas.microsoft.com/office/powerpoint/2010/main" id="1" dur="indefinite" restart="never" nodeType="tmRoot"/>
       </p:par>
     </p:tnLst>
   </p:timing>
@@ -17611,7 +17634,7 @@
   <p:timing>
     <p:tnLst>
       <p:par>
-        <p:cTn id="1" dur="indefinite" restart="never" nodeType="tmRoot"/>
+        <p:cTn xmlns:p14="http://schemas.microsoft.com/office/powerpoint/2010/main" id="1" dur="indefinite" restart="never" nodeType="tmRoot"/>
       </p:par>
     </p:tnLst>
   </p:timing>
@@ -17892,10 +17915,6 @@
               </a:rPr>
               <a:t>(aa01)</a:t>
             </a:r>
-            <a:endParaRPr lang="en-US" sz="2400" dirty="0" smtClean="0">
-              <a:latin typeface="Courier New" panose="02070309020205020404" pitchFamily="49" charset="0"/>
-              <a:cs typeface="Courier New" panose="02070309020205020404" pitchFamily="49" charset="0"/>
-            </a:endParaRPr>
           </a:p>
           <a:p>
             <a:endParaRPr lang="en-US" dirty="0" smtClean="0">
@@ -18014,7 +18033,7 @@
           </a:prstGeom>
           <a:noFill/>
           <a:extLst>
-            <a:ext uri="{909E8E84-426E-40DD-AFC4-6F175D3DCCD1}">
+            <a:ext uri="{909E8E84-426E-40dd-AFC4-6F175D3DCCD1}">
               <a14:hiddenFill xmlns:a14="http://schemas.microsoft.com/office/drawing/2010/main">
                 <a:solidFill>
                   <a:srgbClr val="FFFFFF"/>
@@ -18119,7 +18138,7 @@
   <p:timing>
     <p:tnLst>
       <p:par>
-        <p:cTn id="1" dur="indefinite" restart="never" nodeType="tmRoot"/>
+        <p:cTn xmlns:p14="http://schemas.microsoft.com/office/powerpoint/2010/main" id="1" dur="indefinite" restart="never" nodeType="tmRoot"/>
       </p:par>
     </p:tnLst>
   </p:timing>
@@ -18263,7 +18282,7 @@
   <p:timing>
     <p:tnLst>
       <p:par>
-        <p:cTn id="1" dur="indefinite" restart="never" nodeType="tmRoot"/>
+        <p:cTn xmlns:p14="http://schemas.microsoft.com/office/powerpoint/2010/main" id="1" dur="indefinite" restart="never" nodeType="tmRoot"/>
       </p:par>
     </p:tnLst>
   </p:timing>
@@ -18539,7 +18558,7 @@
   <p:timing>
     <p:tnLst>
       <p:par>
-        <p:cTn id="1" dur="indefinite" restart="never" nodeType="tmRoot"/>
+        <p:cTn xmlns:p14="http://schemas.microsoft.com/office/powerpoint/2010/main" id="1" dur="indefinite" restart="never" nodeType="tmRoot"/>
       </p:par>
     </p:tnLst>
   </p:timing>
@@ -18851,7 +18870,7 @@
   <p:timing>
     <p:tnLst>
       <p:par>
-        <p:cTn id="1" dur="indefinite" restart="never" nodeType="tmRoot"/>
+        <p:cTn xmlns:p14="http://schemas.microsoft.com/office/powerpoint/2010/main" id="1" dur="indefinite" restart="never" nodeType="tmRoot"/>
       </p:par>
     </p:tnLst>
   </p:timing>
@@ -19594,7 +19613,7 @@
   <p:timing>
     <p:tnLst>
       <p:par>
-        <p:cTn id="1" dur="indefinite" restart="never" nodeType="tmRoot"/>
+        <p:cTn xmlns:p14="http://schemas.microsoft.com/office/powerpoint/2010/main" id="1" dur="indefinite" restart="never" nodeType="tmRoot"/>
       </p:par>
     </p:tnLst>
   </p:timing>
@@ -19729,7 +19748,7 @@
           </a:prstGeom>
           <a:noFill/>
           <a:extLst>
-            <a:ext uri="{909E8E84-426E-40DD-AFC4-6F175D3DCCD1}">
+            <a:ext uri="{909E8E84-426E-40dd-AFC4-6F175D3DCCD1}">
               <a14:hiddenFill xmlns:a14="http://schemas.microsoft.com/office/drawing/2010/main">
                 <a:solidFill>
                   <a:srgbClr val="FFFFFF"/>
@@ -19752,7 +19771,7 @@
   <p:timing>
     <p:tnLst>
       <p:par>
-        <p:cTn id="1" dur="indefinite" restart="never" nodeType="tmRoot"/>
+        <p:cTn xmlns:p14="http://schemas.microsoft.com/office/powerpoint/2010/main" id="1" dur="indefinite" restart="never" nodeType="tmRoot"/>
       </p:par>
     </p:tnLst>
   </p:timing>
@@ -19843,7 +19862,7 @@
           </a:prstGeom>
           <a:noFill/>
           <a:extLst>
-            <a:ext uri="{909E8E84-426E-40DD-AFC4-6F175D3DCCD1}">
+            <a:ext uri="{909E8E84-426E-40dd-AFC4-6F175D3DCCD1}">
               <a14:hiddenFill xmlns:a14="http://schemas.microsoft.com/office/drawing/2010/main">
                 <a:solidFill>
                   <a:srgbClr val="FFFFFF"/>
@@ -19910,7 +19929,7 @@
   <p:timing>
     <p:tnLst>
       <p:par>
-        <p:cTn id="1" dur="indefinite" restart="never" nodeType="tmRoot"/>
+        <p:cTn xmlns:p14="http://schemas.microsoft.com/office/powerpoint/2010/main" id="1" dur="indefinite" restart="never" nodeType="tmRoot"/>
       </p:par>
     </p:tnLst>
   </p:timing>
@@ -20001,7 +20020,7 @@
           </a:prstGeom>
           <a:noFill/>
           <a:extLst>
-            <a:ext uri="{909E8E84-426E-40DD-AFC4-6F175D3DCCD1}">
+            <a:ext uri="{909E8E84-426E-40dd-AFC4-6F175D3DCCD1}">
               <a14:hiddenFill xmlns:a14="http://schemas.microsoft.com/office/drawing/2010/main">
                 <a:solidFill>
                   <a:srgbClr val="FFFFFF"/>
@@ -20024,7 +20043,7 @@
   <p:timing>
     <p:tnLst>
       <p:par>
-        <p:cTn id="1" dur="indefinite" restart="never" nodeType="tmRoot"/>
+        <p:cTn xmlns:p14="http://schemas.microsoft.com/office/powerpoint/2010/main" id="1" dur="indefinite" restart="never" nodeType="tmRoot"/>
       </p:par>
     </p:tnLst>
   </p:timing>
@@ -20161,7 +20180,7 @@
           </a:prstGeom>
           <a:noFill/>
           <a:extLst>
-            <a:ext uri="{909E8E84-426E-40DD-AFC4-6F175D3DCCD1}">
+            <a:ext uri="{909E8E84-426E-40dd-AFC4-6F175D3DCCD1}">
               <a14:hiddenFill xmlns:a14="http://schemas.microsoft.com/office/drawing/2010/main">
                 <a:solidFill>
                   <a:srgbClr val="FFFFFF"/>
@@ -20184,7 +20203,7 @@
   <p:timing>
     <p:tnLst>
       <p:par>
-        <p:cTn id="1" dur="indefinite" restart="never" nodeType="tmRoot"/>
+        <p:cTn xmlns:p14="http://schemas.microsoft.com/office/powerpoint/2010/main" id="1" dur="indefinite" restart="never" nodeType="tmRoot"/>
       </p:par>
     </p:tnLst>
   </p:timing>
@@ -20234,7 +20253,7 @@
     </a:clrScheme>
     <a:fontScheme name="Office">
       <a:majorFont>
-        <a:latin typeface="Calibri Light" panose="020F0302020204030204"/>
+        <a:latin typeface="Calibri Light"/>
         <a:ea typeface=""/>
         <a:cs typeface=""/>
         <a:font script="Jpan" typeface="ＭＳ Ｐゴシック"/>
@@ -20269,7 +20288,7 @@
         <a:font script="Geor" typeface="Sylfaen"/>
       </a:majorFont>
       <a:minorFont>
-        <a:latin typeface="Calibri" panose="020F0502020204030204"/>
+        <a:latin typeface="Calibri"/>
         <a:ea typeface=""/>
         <a:cs typeface=""/>
         <a:font script="Jpan" typeface="ＭＳ Ｐゴシック"/>
@@ -20446,7 +20465,7 @@
   <a:extraClrSchemeLst/>
   <a:extLst>
     <a:ext uri="{05A4C25C-085E-4340-85A3-A5531E510DB2}">
-      <thm15:themeFamily xmlns:thm15="http://schemas.microsoft.com/office/thememl/2012/main" xmlns="" name="Office Theme" id="{62F939B6-93AF-4DB8-9C6B-D6C7DFDC589F}" vid="{4A3C46E8-61CC-4603-A589-7422A47A8E4A}"/>
+      <thm15:themeFamily xmlns="" xmlns:thm15="http://schemas.microsoft.com/office/thememl/2012/main" name="Office Theme" id="{62F939B6-93AF-4DB8-9C6B-D6C7DFDC589F}" vid="{4A3C46E8-61CC-4603-A589-7422A47A8E4A}"/>
     </a:ext>
   </a:extLst>
 </a:theme>
@@ -20778,7 +20797,7 @@
     </a:clrScheme>
     <a:fontScheme name="Office">
       <a:majorFont>
-        <a:latin typeface="Calibri Light" panose="020F0302020204030204"/>
+        <a:latin typeface="Calibri Light"/>
         <a:ea typeface=""/>
         <a:cs typeface=""/>
         <a:font script="Jpan" typeface="ＭＳ Ｐゴシック"/>
@@ -20813,7 +20832,7 @@
         <a:font script="Geor" typeface="Sylfaen"/>
       </a:majorFont>
       <a:minorFont>
-        <a:latin typeface="Calibri" panose="020F0502020204030204"/>
+        <a:latin typeface="Calibri"/>
         <a:ea typeface=""/>
         <a:cs typeface=""/>
         <a:font script="Jpan" typeface="ＭＳ Ｐゴシック"/>
@@ -20990,7 +21009,7 @@
   <a:extraClrSchemeLst/>
   <a:extLst>
     <a:ext uri="{05A4C25C-085E-4340-85A3-A5531E510DB2}">
-      <thm15:themeFamily xmlns:thm15="http://schemas.microsoft.com/office/thememl/2012/main" xmlns="" name="Office Theme" id="{62F939B6-93AF-4DB8-9C6B-D6C7DFDC589F}" vid="{4A3C46E8-61CC-4603-A589-7422A47A8E4A}"/>
+      <thm15:themeFamily xmlns="" xmlns:thm15="http://schemas.microsoft.com/office/thememl/2012/main" name="Office Theme" id="{62F939B6-93AF-4DB8-9C6B-D6C7DFDC589F}" vid="{4A3C46E8-61CC-4603-A589-7422A47A8E4A}"/>
     </a:ext>
   </a:extLst>
 </a:theme>
